--- a/slides/onePage.pptx
+++ b/slides/onePage.pptx
@@ -3555,6 +3555,94 @@
           <a:xfrm>
             <a:off x="10395008" y="5114780"/>
             <a:ext cx="1634414" cy="1634414"/>
+          </a:xfrm>
+          <a:prstGeom prst="rect">
+            <a:avLst/>
+          </a:prstGeom>
+          <a:noFill/>
+          <a:extLst>
+            <a:ext uri="{909E8E84-426E-40DD-AFC4-6F175D3DCCD1}">
+              <a14:hiddenFill xmlns:a14="http://schemas.microsoft.com/office/drawing/2010/main">
+                <a:solidFill>
+                  <a:srgbClr val="FFFFFF"/>
+                </a:solidFill>
+              </a14:hiddenFill>
+            </a:ext>
+          </a:extLst>
+        </p:spPr>
+      </p:pic>
+      <p:sp>
+        <p:nvSpPr>
+          <p:cNvPr id="12" name="TextBox 11">
+            <a:extLst>
+              <a:ext uri="{FF2B5EF4-FFF2-40B4-BE49-F238E27FC236}">
+                <a16:creationId xmlns:a16="http://schemas.microsoft.com/office/drawing/2014/main" id="{197A848C-B714-E617-59A9-15FEC35F1B82}"/>
+              </a:ext>
+            </a:extLst>
+          </p:cNvPr>
+          <p:cNvSpPr txBox="1"/>
+          <p:nvPr/>
+        </p:nvSpPr>
+        <p:spPr>
+          <a:xfrm>
+            <a:off x="909469" y="1589244"/>
+            <a:ext cx="6589624" cy="400110"/>
+          </a:xfrm>
+          <a:prstGeom prst="rect">
+            <a:avLst/>
+          </a:prstGeom>
+          <a:noFill/>
+        </p:spPr>
+        <p:txBody>
+          <a:bodyPr wrap="none" rtlCol="0">
+            <a:spAutoFit/>
+          </a:bodyPr>
+          <a:lstStyle/>
+          <a:p>
+            <a:r>
+              <a:rPr lang="en-US" sz="2000" dirty="0">
+                <a:hlinkClick r:id="rId6"/>
+              </a:rPr>
+              <a:t>https://github.com/kwchurch/Better_Together_Resources</a:t>
+            </a:r>
+            <a:r>
+              <a:rPr lang="en-US" sz="2000" dirty="0"/>
+              <a:t> </a:t>
+            </a:r>
+          </a:p>
+        </p:txBody>
+      </p:sp>
+      <p:pic>
+        <p:nvPicPr>
+          <p:cNvPr id="1028" name="Picture 4">
+            <a:extLst>
+              <a:ext uri="{FF2B5EF4-FFF2-40B4-BE49-F238E27FC236}">
+                <a16:creationId xmlns:a16="http://schemas.microsoft.com/office/drawing/2014/main" id="{D3246071-AD05-AD63-1CD6-62DC1BDC3F40}"/>
+              </a:ext>
+            </a:extLst>
+          </p:cNvPr>
+          <p:cNvPicPr>
+            <a:picLocks noChangeAspect="1" noChangeArrowheads="1"/>
+          </p:cNvPicPr>
+          <p:nvPr/>
+        </p:nvPicPr>
+        <p:blipFill>
+          <a:blip r:embed="rId7">
+            <a:extLst>
+              <a:ext uri="{28A0092B-C50C-407E-A947-70E740481C1C}">
+                <a14:useLocalDpi xmlns:a14="http://schemas.microsoft.com/office/drawing/2010/main" val="0"/>
+              </a:ext>
+            </a:extLst>
+          </a:blip>
+          <a:srcRect/>
+          <a:stretch>
+            <a:fillRect/>
+          </a:stretch>
+        </p:blipFill>
+        <p:spPr bwMode="auto">
+          <a:xfrm>
+            <a:off x="10002775" y="0"/>
+            <a:ext cx="2132534" cy="2132534"/>
           </a:xfrm>
           <a:prstGeom prst="rect">
             <a:avLst/>
